--- a/docs/Progress Report Presentation.pptx
+++ b/docs/Progress Report Presentation.pptx
@@ -4084,331 +4084,6 @@
       </p:sp>
       <p:graphicFrame>
         <p:nvGraphicFramePr>
-          <p:cNvPr id="4" name="Table 3"/>
-          <p:cNvGraphicFramePr>
-            <a:graphicFrameLocks noGrp="1"/>
-          </p:cNvGraphicFramePr>
-          <p:nvPr>
-            <p:extLst>
-              <p:ext uri="{D42A27DB-BD31-4B8C-83A1-F6EECF244321}">
-                <p14:modId xmlns:p14="http://schemas.microsoft.com/office/powerpoint/2010/main" xmlns:p="http://schemas.openxmlformats.org/presentationml/2006/main" xmlns:r="http://schemas.openxmlformats.org/officeDocument/2006/relationships" xmlns:a="http://schemas.openxmlformats.org/drawingml/2006/main" xmlns="" val="2353244850"/>
-              </p:ext>
-            </p:extLst>
-          </p:nvPr>
-        </p:nvGraphicFramePr>
-        <p:xfrm>
-          <a:off x="1638300" y="1255986"/>
-          <a:ext cx="5867401" cy="1524000"/>
-        </p:xfrm>
-        <a:graphic>
-          <a:graphicData uri="http://schemas.openxmlformats.org/drawingml/2006/table">
-            <a:tbl>
-              <a:tblPr firstRow="1" bandRow="1">
-                <a:tableStyleId>{21E4AEA4-8DFA-4A89-87EB-49C32662AFE0}</a:tableStyleId>
-              </a:tblPr>
-              <a:tblGrid>
-                <a:gridCol w="5207318"/>
-                <a:gridCol w="660083"/>
-              </a:tblGrid>
-              <a:tr h="381000">
-                <a:tc>
-                  <a:txBody>
-                    <a:bodyPr/>
-                    <a:lstStyle/>
-                    <a:p>
-                      <a:r>
-                        <a:rPr lang="en-US" dirty="0" smtClean="0">
-                          <a:latin typeface="Calibri"/>
-                          <a:cs typeface="Calibri"/>
-                        </a:rPr>
-                        <a:t>Objective</a:t>
-                      </a:r>
-                      <a:endParaRPr lang="en-US" dirty="0">
-                        <a:latin typeface="Calibri"/>
-                        <a:cs typeface="Calibri"/>
-                      </a:endParaRPr>
-                    </a:p>
-                  </a:txBody>
-                  <a:tcPr>
-                    <a:lnL w="12700" cap="flat" cmpd="sng" algn="ctr">
-                      <a:solidFill>
-                        <a:schemeClr val="tx1"/>
-                      </a:solidFill>
-                      <a:prstDash val="solid"/>
-                      <a:round/>
-                      <a:headEnd type="none" w="med" len="med"/>
-                      <a:tailEnd type="none" w="med" len="med"/>
-                    </a:lnL>
-                    <a:lnT w="12700" cap="flat" cmpd="sng" algn="ctr">
-                      <a:solidFill>
-                        <a:schemeClr val="tx1"/>
-                      </a:solidFill>
-                      <a:prstDash val="solid"/>
-                      <a:round/>
-                      <a:headEnd type="none" w="med" len="med"/>
-                      <a:tailEnd type="none" w="med" len="med"/>
-                    </a:lnT>
-                    <a:solidFill>
-                      <a:srgbClr val="FF0000"/>
-                    </a:solidFill>
-                  </a:tcPr>
-                </a:tc>
-                <a:tc>
-                  <a:txBody>
-                    <a:bodyPr/>
-                    <a:lstStyle/>
-                    <a:p>
-                      <a:r>
-                        <a:rPr lang="en-US" dirty="0" smtClean="0">
-                          <a:latin typeface="Calibri"/>
-                          <a:cs typeface="Calibri"/>
-                        </a:rPr>
-                        <a:t>%</a:t>
-                      </a:r>
-                      <a:endParaRPr lang="en-US" dirty="0">
-                        <a:latin typeface="Calibri"/>
-                        <a:cs typeface="Calibri"/>
-                      </a:endParaRPr>
-                    </a:p>
-                  </a:txBody>
-                  <a:tcPr>
-                    <a:lnR w="12700" cap="flat" cmpd="sng" algn="ctr">
-                      <a:solidFill>
-                        <a:schemeClr val="tx1"/>
-                      </a:solidFill>
-                      <a:prstDash val="solid"/>
-                      <a:round/>
-                      <a:headEnd type="none" w="med" len="med"/>
-                      <a:tailEnd type="none" w="med" len="med"/>
-                    </a:lnR>
-                    <a:lnT w="12700" cap="flat" cmpd="sng" algn="ctr">
-                      <a:solidFill>
-                        <a:schemeClr val="tx1"/>
-                      </a:solidFill>
-                      <a:prstDash val="solid"/>
-                      <a:round/>
-                      <a:headEnd type="none" w="med" len="med"/>
-                      <a:tailEnd type="none" w="med" len="med"/>
-                    </a:lnT>
-                    <a:solidFill>
-                      <a:srgbClr val="FF0000"/>
-                    </a:solidFill>
-                  </a:tcPr>
-                </a:tc>
-              </a:tr>
-              <a:tr h="381000">
-                <a:tc>
-                  <a:txBody>
-                    <a:bodyPr/>
-                    <a:lstStyle/>
-                    <a:p>
-                      <a:r>
-                        <a:rPr lang="en-US" dirty="0" smtClean="0">
-                          <a:latin typeface="Calibri"/>
-                          <a:cs typeface="Calibri"/>
-                        </a:rPr>
-                        <a:t>Objective </a:t>
-                      </a:r>
-                      <a:r>
-                        <a:rPr lang="en-US" dirty="0" smtClean="0">
-                          <a:latin typeface="Calibri"/>
-                          <a:cs typeface="Calibri"/>
-                        </a:rPr>
-                        <a:t>1: Crowd Density</a:t>
-                      </a:r>
-                      <a:endParaRPr lang="en-US" dirty="0" smtClean="0">
-                        <a:latin typeface="Calibri"/>
-                        <a:cs typeface="Calibri"/>
-                      </a:endParaRPr>
-                    </a:p>
-                  </a:txBody>
-                  <a:tcPr>
-                    <a:lnL w="12700" cap="flat" cmpd="sng" algn="ctr">
-                      <a:solidFill>
-                        <a:schemeClr val="tx1"/>
-                      </a:solidFill>
-                      <a:prstDash val="solid"/>
-                      <a:round/>
-                      <a:headEnd type="none" w="med" len="med"/>
-                      <a:tailEnd type="none" w="med" len="med"/>
-                    </a:lnL>
-                  </a:tcPr>
-                </a:tc>
-                <a:tc>
-                  <a:txBody>
-                    <a:bodyPr/>
-                    <a:lstStyle/>
-                    <a:p>
-                      <a:r>
-                        <a:rPr lang="en-US" dirty="0" smtClean="0"/>
-                        <a:t>10</a:t>
-                      </a:r>
-                      <a:endParaRPr lang="en-US" dirty="0"/>
-                    </a:p>
-                  </a:txBody>
-                  <a:tcPr>
-                    <a:lnR w="12700" cap="flat" cmpd="sng" algn="ctr">
-                      <a:solidFill>
-                        <a:schemeClr val="tx1"/>
-                      </a:solidFill>
-                      <a:prstDash val="solid"/>
-                      <a:round/>
-                      <a:headEnd type="none" w="med" len="med"/>
-                      <a:tailEnd type="none" w="med" len="med"/>
-                    </a:lnR>
-                  </a:tcPr>
-                </a:tc>
-              </a:tr>
-              <a:tr h="381000">
-                <a:tc>
-                  <a:txBody>
-                    <a:bodyPr/>
-                    <a:lstStyle/>
-                    <a:p>
-                      <a:r>
-                        <a:rPr lang="en-US" dirty="0" smtClean="0">
-                          <a:latin typeface="Calibri"/>
-                          <a:cs typeface="Calibri"/>
-                        </a:rPr>
-                        <a:t>Objective </a:t>
-                      </a:r>
-                      <a:r>
-                        <a:rPr lang="en-US" dirty="0" smtClean="0">
-                          <a:latin typeface="Calibri"/>
-                          <a:cs typeface="Calibri"/>
-                        </a:rPr>
-                        <a:t>2: Crowd Action (cheering, idle, )</a:t>
-                      </a:r>
-                      <a:endParaRPr lang="en-US" dirty="0" smtClean="0">
-                        <a:latin typeface="Calibri"/>
-                        <a:cs typeface="Calibri"/>
-                      </a:endParaRPr>
-                    </a:p>
-                  </a:txBody>
-                  <a:tcPr>
-                    <a:lnL w="12700" cap="flat" cmpd="sng" algn="ctr">
-                      <a:solidFill>
-                        <a:schemeClr val="tx1"/>
-                      </a:solidFill>
-                      <a:prstDash val="solid"/>
-                      <a:round/>
-                      <a:headEnd type="none" w="med" len="med"/>
-                      <a:tailEnd type="none" w="med" len="med"/>
-                    </a:lnL>
-                  </a:tcPr>
-                </a:tc>
-                <a:tc>
-                  <a:txBody>
-                    <a:bodyPr/>
-                    <a:lstStyle/>
-                    <a:p>
-                      <a:r>
-                        <a:rPr lang="en-US" dirty="0" smtClean="0"/>
-                        <a:t>50</a:t>
-                      </a:r>
-                      <a:endParaRPr lang="en-US" dirty="0"/>
-                    </a:p>
-                  </a:txBody>
-                  <a:tcPr>
-                    <a:lnR w="12700" cap="flat" cmpd="sng" algn="ctr">
-                      <a:solidFill>
-                        <a:schemeClr val="tx1"/>
-                      </a:solidFill>
-                      <a:prstDash val="solid"/>
-                      <a:round/>
-                      <a:headEnd type="none" w="med" len="med"/>
-                      <a:tailEnd type="none" w="med" len="med"/>
-                    </a:lnR>
-                  </a:tcPr>
-                </a:tc>
-              </a:tr>
-              <a:tr h="381000">
-                <a:tc>
-                  <a:txBody>
-                    <a:bodyPr/>
-                    <a:lstStyle/>
-                    <a:p>
-                      <a:r>
-                        <a:rPr lang="en-US" dirty="0" smtClean="0">
-                          <a:latin typeface="Calibri"/>
-                          <a:cs typeface="Calibri"/>
-                        </a:rPr>
-                        <a:t>Objective </a:t>
-                      </a:r>
-                      <a:r>
-                        <a:rPr lang="en-US" dirty="0" smtClean="0">
-                          <a:latin typeface="Calibri"/>
-                          <a:cs typeface="Calibri"/>
-                        </a:rPr>
-                        <a:t>3: Crowd Emotion</a:t>
-                      </a:r>
-                      <a:endParaRPr lang="en-US" dirty="0" smtClean="0">
-                        <a:latin typeface="Calibri"/>
-                        <a:cs typeface="Calibri"/>
-                      </a:endParaRPr>
-                    </a:p>
-                  </a:txBody>
-                  <a:tcPr>
-                    <a:lnL w="12700" cap="flat" cmpd="sng" algn="ctr">
-                      <a:solidFill>
-                        <a:schemeClr val="tx1"/>
-                      </a:solidFill>
-                      <a:prstDash val="solid"/>
-                      <a:round/>
-                      <a:headEnd type="none" w="med" len="med"/>
-                      <a:tailEnd type="none" w="med" len="med"/>
-                    </a:lnL>
-                    <a:lnB w="12700" cap="flat" cmpd="sng" algn="ctr">
-                      <a:solidFill>
-                        <a:schemeClr val="tx1"/>
-                      </a:solidFill>
-                      <a:prstDash val="solid"/>
-                      <a:round/>
-                      <a:headEnd type="none" w="med" len="med"/>
-                      <a:tailEnd type="none" w="med" len="med"/>
-                    </a:lnB>
-                  </a:tcPr>
-                </a:tc>
-                <a:tc>
-                  <a:txBody>
-                    <a:bodyPr/>
-                    <a:lstStyle/>
-                    <a:p>
-                      <a:r>
-                        <a:rPr lang="en-US" dirty="0" smtClean="0"/>
-                        <a:t>0</a:t>
-                      </a:r>
-                      <a:endParaRPr lang="en-US" dirty="0"/>
-                    </a:p>
-                  </a:txBody>
-                  <a:tcPr>
-                    <a:lnR w="12700" cap="flat" cmpd="sng" algn="ctr">
-                      <a:solidFill>
-                        <a:schemeClr val="tx1"/>
-                      </a:solidFill>
-                      <a:prstDash val="solid"/>
-                      <a:round/>
-                      <a:headEnd type="none" w="med" len="med"/>
-                      <a:tailEnd type="none" w="med" len="med"/>
-                    </a:lnR>
-                    <a:lnB w="12700" cap="flat" cmpd="sng" algn="ctr">
-                      <a:solidFill>
-                        <a:schemeClr val="tx1"/>
-                      </a:solidFill>
-                      <a:prstDash val="solid"/>
-                      <a:round/>
-                      <a:headEnd type="none" w="med" len="med"/>
-                      <a:tailEnd type="none" w="med" len="med"/>
-                    </a:lnB>
-                  </a:tcPr>
-                </a:tc>
-              </a:tr>
-            </a:tbl>
-          </a:graphicData>
-        </a:graphic>
-      </p:graphicFrame>
-      <p:graphicFrame>
-        <p:nvGraphicFramePr>
           <p:cNvPr id="10" name="Table 9"/>
           <p:cNvGraphicFramePr>
             <a:graphicFrameLocks noGrp="1"/>
@@ -4689,39 +4364,6 @@
                     </a:p>
                     <a:p>
                       <a:pPr algn="ctr"/>
-                      <a:r>
-                        <a:rPr lang="en-US" dirty="0" smtClean="0">
-                          <a:solidFill>
-                            <a:srgbClr val="000080"/>
-                          </a:solidFill>
-                          <a:latin typeface="Calibri"/>
-                          <a:cs typeface="Calibri"/>
-                        </a:rPr>
-                        <a:t>Sample</a:t>
-                      </a:r>
-                    </a:p>
-                    <a:p>
-                      <a:pPr algn="ctr"/>
-                      <a:r>
-                        <a:rPr lang="en-US" dirty="0" smtClean="0">
-                          <a:solidFill>
-                            <a:srgbClr val="000080"/>
-                          </a:solidFill>
-                          <a:latin typeface="Calibri"/>
-                          <a:cs typeface="Calibri"/>
-                        </a:rPr>
-                        <a:t>Result </a:t>
-                      </a:r>
-                      <a:r>
-                        <a:rPr lang="en-US" dirty="0" smtClean="0">
-                          <a:solidFill>
-                            <a:srgbClr val="000080"/>
-                          </a:solidFill>
-                          <a:latin typeface="Calibri"/>
-                          <a:cs typeface="Calibri"/>
-                        </a:rPr>
-                        <a:t>1</a:t>
-                      </a:r>
                       <a:endParaRPr lang="en-US" dirty="0">
                         <a:solidFill>
                           <a:srgbClr val="000080"/>
@@ -4862,298 +4504,54 @@
           </a:graphicData>
         </a:graphic>
       </p:graphicFrame>
-      <p:graphicFrame>
-        <p:nvGraphicFramePr>
-          <p:cNvPr id="12" name="Table 11"/>
-          <p:cNvGraphicFramePr>
-            <a:graphicFrameLocks noGrp="1"/>
-          </p:cNvGraphicFramePr>
-          <p:nvPr>
-            <p:extLst>
-              <p:ext uri="{D42A27DB-BD31-4B8C-83A1-F6EECF244321}">
-                <p14:modId xmlns:p14="http://schemas.microsoft.com/office/powerpoint/2010/main" xmlns:p="http://schemas.openxmlformats.org/presentationml/2006/main" xmlns:r="http://schemas.openxmlformats.org/officeDocument/2006/relationships" xmlns:a="http://schemas.openxmlformats.org/drawingml/2006/main" xmlns="" val="2515802624"/>
-              </p:ext>
-            </p:extLst>
-          </p:nvPr>
-        </p:nvGraphicFramePr>
-        <p:xfrm>
-          <a:off x="1732548" y="2971800"/>
-          <a:ext cx="5715000" cy="2190750"/>
-        </p:xfrm>
-        <a:graphic>
-          <a:graphicData uri="http://schemas.openxmlformats.org/drawingml/2006/table">
-            <a:tbl>
-              <a:tblPr firstRow="1" bandRow="1">
-                <a:tableStyleId>{21E4AEA4-8DFA-4A89-87EB-49C32662AFE0}</a:tableStyleId>
-              </a:tblPr>
-              <a:tblGrid>
-                <a:gridCol w="5715000"/>
-              </a:tblGrid>
-              <a:tr h="438150">
-                <a:tc>
-                  <a:txBody>
-                    <a:bodyPr/>
-                    <a:lstStyle/>
-                    <a:p>
-                      <a:r>
-                        <a:rPr lang="en-US" dirty="0" smtClean="0">
-                          <a:latin typeface="Calibri"/>
-                          <a:cs typeface="Calibri"/>
-                        </a:rPr>
-                        <a:t>Techniques</a:t>
-                      </a:r>
-                      <a:r>
-                        <a:rPr lang="en-US" baseline="0" dirty="0" smtClean="0">
-                          <a:latin typeface="Calibri"/>
-                          <a:cs typeface="Calibri"/>
-                        </a:rPr>
-                        <a:t> Used</a:t>
-                      </a:r>
-                      <a:endParaRPr lang="en-US" dirty="0">
-                        <a:latin typeface="Calibri"/>
-                        <a:cs typeface="Calibri"/>
-                      </a:endParaRPr>
-                    </a:p>
-                  </a:txBody>
-                  <a:tcPr>
-                    <a:lnL w="12700" cap="flat" cmpd="sng" algn="ctr">
-                      <a:solidFill>
-                        <a:schemeClr val="tx1"/>
-                      </a:solidFill>
-                      <a:prstDash val="solid"/>
-                      <a:round/>
-                      <a:headEnd type="none" w="med" len="med"/>
-                      <a:tailEnd type="none" w="med" len="med"/>
-                    </a:lnL>
-                    <a:lnR w="12700" cap="flat" cmpd="sng" algn="ctr">
-                      <a:solidFill>
-                        <a:schemeClr val="tx1"/>
-                      </a:solidFill>
-                      <a:prstDash val="solid"/>
-                      <a:round/>
-                      <a:headEnd type="none" w="med" len="med"/>
-                      <a:tailEnd type="none" w="med" len="med"/>
-                    </a:lnR>
-                    <a:lnT w="12700" cap="flat" cmpd="sng" algn="ctr">
-                      <a:solidFill>
-                        <a:schemeClr val="tx1"/>
-                      </a:solidFill>
-                      <a:prstDash val="solid"/>
-                      <a:round/>
-                      <a:headEnd type="none" w="med" len="med"/>
-                      <a:tailEnd type="none" w="med" len="med"/>
-                    </a:lnT>
-                    <a:solidFill>
-                      <a:srgbClr val="FF0000"/>
-                    </a:solidFill>
-                  </a:tcPr>
-                </a:tc>
-              </a:tr>
-              <a:tr h="438150">
-                <a:tc>
-                  <a:txBody>
-                    <a:bodyPr/>
-                    <a:lstStyle/>
-                    <a:p>
-                      <a:r>
-                        <a:rPr lang="en-US" dirty="0" smtClean="0">
-                          <a:latin typeface="Calibri"/>
-                          <a:cs typeface="Calibri"/>
-                        </a:rPr>
-                        <a:t>Applying </a:t>
-                      </a:r>
-                      <a:r>
-                        <a:rPr lang="en-US" dirty="0" err="1" smtClean="0">
-                          <a:latin typeface="Calibri"/>
-                          <a:cs typeface="Calibri"/>
-                        </a:rPr>
-                        <a:t>Sobel</a:t>
-                      </a:r>
-                      <a:r>
-                        <a:rPr lang="en-US" dirty="0" smtClean="0">
-                          <a:latin typeface="Calibri"/>
-                          <a:cs typeface="Calibri"/>
-                        </a:rPr>
-                        <a:t> filter vertically</a:t>
-                      </a:r>
-                      <a:r>
-                        <a:rPr lang="en-US" baseline="0" dirty="0" smtClean="0">
-                          <a:latin typeface="Calibri"/>
-                          <a:cs typeface="Calibri"/>
-                        </a:rPr>
-                        <a:t> and horizontally</a:t>
-                      </a:r>
-                      <a:endParaRPr lang="en-US" dirty="0">
-                        <a:latin typeface="Calibri"/>
-                        <a:cs typeface="Calibri"/>
-                      </a:endParaRPr>
-                    </a:p>
-                  </a:txBody>
-                  <a:tcPr>
-                    <a:lnL w="12700" cap="flat" cmpd="sng" algn="ctr">
-                      <a:solidFill>
-                        <a:schemeClr val="tx1"/>
-                      </a:solidFill>
-                      <a:prstDash val="solid"/>
-                      <a:round/>
-                      <a:headEnd type="none" w="med" len="med"/>
-                      <a:tailEnd type="none" w="med" len="med"/>
-                    </a:lnL>
-                    <a:lnR w="12700" cap="flat" cmpd="sng" algn="ctr">
-                      <a:solidFill>
-                        <a:schemeClr val="tx1"/>
-                      </a:solidFill>
-                      <a:prstDash val="solid"/>
-                      <a:round/>
-                      <a:headEnd type="none" w="med" len="med"/>
-                      <a:tailEnd type="none" w="med" len="med"/>
-                    </a:lnR>
-                  </a:tcPr>
-                </a:tc>
-              </a:tr>
-              <a:tr h="438150">
-                <a:tc>
-                  <a:txBody>
-                    <a:bodyPr/>
-                    <a:lstStyle/>
-                    <a:p>
-                      <a:r>
-                        <a:rPr lang="en-US" dirty="0" smtClean="0">
-                          <a:latin typeface="Calibri"/>
-                          <a:cs typeface="Calibri"/>
-                        </a:rPr>
-                        <a:t>Analyzing</a:t>
-                      </a:r>
-                      <a:r>
-                        <a:rPr lang="en-US" baseline="0" dirty="0" smtClean="0">
-                          <a:latin typeface="Calibri"/>
-                          <a:cs typeface="Calibri"/>
-                        </a:rPr>
-                        <a:t> a histogram of oriented gradients</a:t>
-                      </a:r>
-                      <a:endParaRPr lang="en-US" dirty="0">
-                        <a:latin typeface="Calibri"/>
-                        <a:cs typeface="Calibri"/>
-                      </a:endParaRPr>
-                    </a:p>
-                  </a:txBody>
-                  <a:tcPr>
-                    <a:lnL w="12700" cap="flat" cmpd="sng" algn="ctr">
-                      <a:solidFill>
-                        <a:schemeClr val="tx1"/>
-                      </a:solidFill>
-                      <a:prstDash val="solid"/>
-                      <a:round/>
-                      <a:headEnd type="none" w="med" len="med"/>
-                      <a:tailEnd type="none" w="med" len="med"/>
-                    </a:lnL>
-                    <a:lnR w="12700" cap="flat" cmpd="sng" algn="ctr">
-                      <a:solidFill>
-                        <a:schemeClr val="tx1"/>
-                      </a:solidFill>
-                      <a:prstDash val="solid"/>
-                      <a:round/>
-                      <a:headEnd type="none" w="med" len="med"/>
-                      <a:tailEnd type="none" w="med" len="med"/>
-                    </a:lnR>
-                  </a:tcPr>
-                </a:tc>
-              </a:tr>
-              <a:tr h="438150">
-                <a:tc>
-                  <a:txBody>
-                    <a:bodyPr/>
-                    <a:lstStyle/>
-                    <a:p>
-                      <a:r>
-                        <a:rPr lang="en-US" dirty="0" smtClean="0">
-                          <a:latin typeface="Calibri"/>
-                          <a:cs typeface="Calibri"/>
-                        </a:rPr>
-                        <a:t>Face detection</a:t>
-                      </a:r>
-                      <a:endParaRPr lang="en-US" dirty="0">
-                        <a:latin typeface="Calibri"/>
-                        <a:cs typeface="Calibri"/>
-                      </a:endParaRPr>
-                    </a:p>
-                  </a:txBody>
-                  <a:tcPr>
-                    <a:lnL w="12700" cap="flat" cmpd="sng" algn="ctr">
-                      <a:solidFill>
-                        <a:schemeClr val="tx1"/>
-                      </a:solidFill>
-                      <a:prstDash val="solid"/>
-                      <a:round/>
-                      <a:headEnd type="none" w="med" len="med"/>
-                      <a:tailEnd type="none" w="med" len="med"/>
-                    </a:lnL>
-                    <a:lnR w="12700" cap="flat" cmpd="sng" algn="ctr">
-                      <a:solidFill>
-                        <a:schemeClr val="tx1"/>
-                      </a:solidFill>
-                      <a:prstDash val="solid"/>
-                      <a:round/>
-                      <a:headEnd type="none" w="med" len="med"/>
-                      <a:tailEnd type="none" w="med" len="med"/>
-                    </a:lnR>
-                  </a:tcPr>
-                </a:tc>
-              </a:tr>
-              <a:tr h="438150">
-                <a:tc>
-                  <a:txBody>
-                    <a:bodyPr/>
-                    <a:lstStyle/>
-                    <a:p>
-                      <a:r>
-                        <a:rPr lang="en-US" dirty="0" smtClean="0">
-                          <a:latin typeface="Calibri"/>
-                          <a:cs typeface="Calibri"/>
-                        </a:rPr>
-                        <a:t>Skin texture detection</a:t>
-                      </a:r>
-                      <a:endParaRPr lang="en-US" dirty="0">
-                        <a:latin typeface="Calibri"/>
-                        <a:cs typeface="Calibri"/>
-                      </a:endParaRPr>
-                    </a:p>
-                  </a:txBody>
-                  <a:tcPr>
-                    <a:lnL w="12700" cap="flat" cmpd="sng" algn="ctr">
-                      <a:solidFill>
-                        <a:schemeClr val="tx1"/>
-                      </a:solidFill>
-                      <a:prstDash val="solid"/>
-                      <a:round/>
-                      <a:headEnd type="none" w="med" len="med"/>
-                      <a:tailEnd type="none" w="med" len="med"/>
-                    </a:lnL>
-                    <a:lnR w="12700" cap="flat" cmpd="sng" algn="ctr">
-                      <a:solidFill>
-                        <a:schemeClr val="tx1"/>
-                      </a:solidFill>
-                      <a:prstDash val="solid"/>
-                      <a:round/>
-                      <a:headEnd type="none" w="med" len="med"/>
-                      <a:tailEnd type="none" w="med" len="med"/>
-                    </a:lnR>
-                    <a:lnB w="12700" cap="flat" cmpd="sng" algn="ctr">
-                      <a:solidFill>
-                        <a:schemeClr val="tx1"/>
-                      </a:solidFill>
-                      <a:prstDash val="solid"/>
-                      <a:round/>
-                      <a:headEnd type="none" w="med" len="med"/>
-                      <a:tailEnd type="none" w="med" len="med"/>
-                    </a:lnB>
-                  </a:tcPr>
-                </a:tc>
-              </a:tr>
-            </a:tbl>
-          </a:graphicData>
-        </a:graphic>
-      </p:graphicFrame>
+      <p:pic>
+        <p:nvPicPr>
+          <p:cNvPr id="14" name="Picture 13" descr="crowd2.jpg"/>
+          <p:cNvPicPr>
+            <a:picLocks noChangeAspect="1"/>
+          </p:cNvPicPr>
+          <p:nvPr/>
+        </p:nvPicPr>
+        <p:blipFill>
+          <a:blip r:embed="rId2"/>
+          <a:stretch>
+            <a:fillRect/>
+          </a:stretch>
+        </p:blipFill>
+        <p:spPr>
+          <a:xfrm>
+            <a:off x="0" y="4419600"/>
+            <a:ext cx="3124200" cy="1861502"/>
+          </a:xfrm>
+          <a:prstGeom prst="rect">
+            <a:avLst/>
+          </a:prstGeom>
+        </p:spPr>
+      </p:pic>
+      <p:pic>
+        <p:nvPicPr>
+          <p:cNvPr id="9" name="Picture 8" descr="Screen Shot 2015-04-03 at 3.15.07 AM.png"/>
+          <p:cNvPicPr>
+            <a:picLocks noChangeAspect="1"/>
+          </p:cNvPicPr>
+          <p:nvPr/>
+        </p:nvPicPr>
+        <p:blipFill>
+          <a:blip r:embed="rId3"/>
+          <a:stretch>
+            <a:fillRect/>
+          </a:stretch>
+        </p:blipFill>
+        <p:spPr>
+          <a:xfrm>
+            <a:off x="7232918" y="4572000"/>
+            <a:ext cx="1911082" cy="1682501"/>
+          </a:xfrm>
+          <a:prstGeom prst="rect">
+            <a:avLst/>
+          </a:prstGeom>
+        </p:spPr>
+      </p:pic>
       <p:graphicFrame>
         <p:nvGraphicFramePr>
           <p:cNvPr id="13" name="Table 12"/>
@@ -5394,14 +4792,7 @@
                           <a:latin typeface="Calibri"/>
                           <a:cs typeface="Calibri"/>
                         </a:rPr>
-                        <a:t>angry, happy, bored emotions </a:t>
-                      </a:r>
-                      <a:r>
-                        <a:rPr lang="en-US" baseline="0" smtClean="0">
-                          <a:latin typeface="Calibri"/>
-                          <a:cs typeface="Calibri"/>
-                        </a:rPr>
-                        <a:t>in crowds</a:t>
+                        <a:t>angry, happy, bored emotions in crowds</a:t>
                       </a:r>
                       <a:endParaRPr lang="en-US" dirty="0" smtClean="0">
                         <a:latin typeface="Calibri"/>
@@ -5444,6 +4835,1115 @@
           </a:graphicData>
         </a:graphic>
       </p:graphicFrame>
+      <p:pic>
+        <p:nvPicPr>
+          <p:cNvPr id="15" name="Picture 14" descr="crowd3.jpg"/>
+          <p:cNvPicPr>
+            <a:picLocks noChangeAspect="1"/>
+          </p:cNvPicPr>
+          <p:nvPr/>
+        </p:nvPicPr>
+        <p:blipFill>
+          <a:blip r:embed="rId4"/>
+          <a:stretch>
+            <a:fillRect/>
+          </a:stretch>
+        </p:blipFill>
+        <p:spPr>
+          <a:xfrm>
+            <a:off x="0" y="1066800"/>
+            <a:ext cx="2272800" cy="1701800"/>
+          </a:xfrm>
+          <a:prstGeom prst="rect">
+            <a:avLst/>
+          </a:prstGeom>
+        </p:spPr>
+      </p:pic>
+      <p:pic>
+        <p:nvPicPr>
+          <p:cNvPr id="16" name="Picture 15" descr="crowd5.jpg"/>
+          <p:cNvPicPr>
+            <a:picLocks noChangeAspect="1"/>
+          </p:cNvPicPr>
+          <p:nvPr/>
+        </p:nvPicPr>
+        <p:blipFill>
+          <a:blip r:embed="rId5"/>
+          <a:stretch>
+            <a:fillRect/>
+          </a:stretch>
+        </p:blipFill>
+        <p:spPr>
+          <a:xfrm>
+            <a:off x="1" y="2743200"/>
+            <a:ext cx="3276600" cy="1843087"/>
+          </a:xfrm>
+          <a:prstGeom prst="rect">
+            <a:avLst/>
+          </a:prstGeom>
+        </p:spPr>
+      </p:pic>
+      <p:graphicFrame>
+        <p:nvGraphicFramePr>
+          <p:cNvPr id="12" name="Table 11"/>
+          <p:cNvGraphicFramePr>
+            <a:graphicFrameLocks noGrp="1"/>
+          </p:cNvGraphicFramePr>
+          <p:nvPr>
+            <p:extLst>
+              <p:ext uri="{D42A27DB-BD31-4B8C-83A1-F6EECF244321}">
+                <p14:modId xmlns:p14="http://schemas.microsoft.com/office/powerpoint/2010/main" xmlns:p="http://schemas.openxmlformats.org/presentationml/2006/main" xmlns:r="http://schemas.openxmlformats.org/officeDocument/2006/relationships" xmlns:a="http://schemas.openxmlformats.org/drawingml/2006/main" xmlns="" val="2515802624"/>
+              </p:ext>
+            </p:extLst>
+          </p:nvPr>
+        </p:nvGraphicFramePr>
+        <p:xfrm>
+          <a:off x="1732548" y="2971800"/>
+          <a:ext cx="5715000" cy="2190750"/>
+        </p:xfrm>
+        <a:graphic>
+          <a:graphicData uri="http://schemas.openxmlformats.org/drawingml/2006/table">
+            <a:tbl>
+              <a:tblPr firstRow="1" bandRow="1">
+                <a:tableStyleId>{21E4AEA4-8DFA-4A89-87EB-49C32662AFE0}</a:tableStyleId>
+              </a:tblPr>
+              <a:tblGrid>
+                <a:gridCol w="5715000"/>
+              </a:tblGrid>
+              <a:tr h="438150">
+                <a:tc>
+                  <a:txBody>
+                    <a:bodyPr/>
+                    <a:lstStyle/>
+                    <a:p>
+                      <a:r>
+                        <a:rPr lang="en-US" dirty="0" smtClean="0">
+                          <a:latin typeface="Calibri"/>
+                          <a:cs typeface="Calibri"/>
+                        </a:rPr>
+                        <a:t>Techniques</a:t>
+                      </a:r>
+                      <a:r>
+                        <a:rPr lang="en-US" baseline="0" dirty="0" smtClean="0">
+                          <a:latin typeface="Calibri"/>
+                          <a:cs typeface="Calibri"/>
+                        </a:rPr>
+                        <a:t> Used</a:t>
+                      </a:r>
+                      <a:endParaRPr lang="en-US" dirty="0">
+                        <a:latin typeface="Calibri"/>
+                        <a:cs typeface="Calibri"/>
+                      </a:endParaRPr>
+                    </a:p>
+                  </a:txBody>
+                  <a:tcPr>
+                    <a:lnL w="12700" cap="flat" cmpd="sng" algn="ctr">
+                      <a:solidFill>
+                        <a:schemeClr val="tx1"/>
+                      </a:solidFill>
+                      <a:prstDash val="solid"/>
+                      <a:round/>
+                      <a:headEnd type="none" w="med" len="med"/>
+                      <a:tailEnd type="none" w="med" len="med"/>
+                    </a:lnL>
+                    <a:lnR w="12700" cap="flat" cmpd="sng" algn="ctr">
+                      <a:solidFill>
+                        <a:schemeClr val="tx1"/>
+                      </a:solidFill>
+                      <a:prstDash val="solid"/>
+                      <a:round/>
+                      <a:headEnd type="none" w="med" len="med"/>
+                      <a:tailEnd type="none" w="med" len="med"/>
+                    </a:lnR>
+                    <a:lnT w="12700" cap="flat" cmpd="sng" algn="ctr">
+                      <a:solidFill>
+                        <a:schemeClr val="tx1"/>
+                      </a:solidFill>
+                      <a:prstDash val="solid"/>
+                      <a:round/>
+                      <a:headEnd type="none" w="med" len="med"/>
+                      <a:tailEnd type="none" w="med" len="med"/>
+                    </a:lnT>
+                    <a:solidFill>
+                      <a:srgbClr val="FF0000"/>
+                    </a:solidFill>
+                  </a:tcPr>
+                </a:tc>
+              </a:tr>
+              <a:tr h="438150">
+                <a:tc>
+                  <a:txBody>
+                    <a:bodyPr/>
+                    <a:lstStyle/>
+                    <a:p>
+                      <a:r>
+                        <a:rPr lang="en-US" dirty="0" smtClean="0">
+                          <a:latin typeface="Calibri"/>
+                          <a:cs typeface="Calibri"/>
+                        </a:rPr>
+                        <a:t>Applying </a:t>
+                      </a:r>
+                      <a:r>
+                        <a:rPr lang="en-US" dirty="0" err="1" smtClean="0">
+                          <a:latin typeface="Calibri"/>
+                          <a:cs typeface="Calibri"/>
+                        </a:rPr>
+                        <a:t>Sobel</a:t>
+                      </a:r>
+                      <a:r>
+                        <a:rPr lang="en-US" dirty="0" smtClean="0">
+                          <a:latin typeface="Calibri"/>
+                          <a:cs typeface="Calibri"/>
+                        </a:rPr>
+                        <a:t> filter vertically</a:t>
+                      </a:r>
+                      <a:r>
+                        <a:rPr lang="en-US" baseline="0" dirty="0" smtClean="0">
+                          <a:latin typeface="Calibri"/>
+                          <a:cs typeface="Calibri"/>
+                        </a:rPr>
+                        <a:t> and horizontally</a:t>
+                      </a:r>
+                      <a:endParaRPr lang="en-US" dirty="0">
+                        <a:latin typeface="Calibri"/>
+                        <a:cs typeface="Calibri"/>
+                      </a:endParaRPr>
+                    </a:p>
+                  </a:txBody>
+                  <a:tcPr>
+                    <a:lnL w="12700" cap="flat" cmpd="sng" algn="ctr">
+                      <a:solidFill>
+                        <a:schemeClr val="tx1"/>
+                      </a:solidFill>
+                      <a:prstDash val="solid"/>
+                      <a:round/>
+                      <a:headEnd type="none" w="med" len="med"/>
+                      <a:tailEnd type="none" w="med" len="med"/>
+                    </a:lnL>
+                    <a:lnR w="12700" cap="flat" cmpd="sng" algn="ctr">
+                      <a:solidFill>
+                        <a:schemeClr val="tx1"/>
+                      </a:solidFill>
+                      <a:prstDash val="solid"/>
+                      <a:round/>
+                      <a:headEnd type="none" w="med" len="med"/>
+                      <a:tailEnd type="none" w="med" len="med"/>
+                    </a:lnR>
+                  </a:tcPr>
+                </a:tc>
+              </a:tr>
+              <a:tr h="438150">
+                <a:tc>
+                  <a:txBody>
+                    <a:bodyPr/>
+                    <a:lstStyle/>
+                    <a:p>
+                      <a:r>
+                        <a:rPr lang="en-US" dirty="0" smtClean="0">
+                          <a:latin typeface="Calibri"/>
+                          <a:cs typeface="Calibri"/>
+                        </a:rPr>
+                        <a:t>Histogram </a:t>
+                      </a:r>
+                      <a:r>
+                        <a:rPr lang="en-US" baseline="0" dirty="0" smtClean="0">
+                          <a:latin typeface="Calibri"/>
+                          <a:cs typeface="Calibri"/>
+                        </a:rPr>
+                        <a:t>of Oriented Gradients (HOG)</a:t>
+                      </a:r>
+                      <a:endParaRPr lang="en-US" dirty="0">
+                        <a:latin typeface="Calibri"/>
+                        <a:cs typeface="Calibri"/>
+                      </a:endParaRPr>
+                    </a:p>
+                  </a:txBody>
+                  <a:tcPr>
+                    <a:lnL w="12700" cap="flat" cmpd="sng" algn="ctr">
+                      <a:solidFill>
+                        <a:schemeClr val="tx1"/>
+                      </a:solidFill>
+                      <a:prstDash val="solid"/>
+                      <a:round/>
+                      <a:headEnd type="none" w="med" len="med"/>
+                      <a:tailEnd type="none" w="med" len="med"/>
+                    </a:lnL>
+                    <a:lnR w="12700" cap="flat" cmpd="sng" algn="ctr">
+                      <a:solidFill>
+                        <a:schemeClr val="tx1"/>
+                      </a:solidFill>
+                      <a:prstDash val="solid"/>
+                      <a:round/>
+                      <a:headEnd type="none" w="med" len="med"/>
+                      <a:tailEnd type="none" w="med" len="med"/>
+                    </a:lnR>
+                  </a:tcPr>
+                </a:tc>
+              </a:tr>
+              <a:tr h="438150">
+                <a:tc>
+                  <a:txBody>
+                    <a:bodyPr/>
+                    <a:lstStyle/>
+                    <a:p>
+                      <a:r>
+                        <a:rPr lang="en-US" dirty="0" smtClean="0">
+                          <a:latin typeface="Calibri"/>
+                          <a:cs typeface="Calibri"/>
+                        </a:rPr>
+                        <a:t>Face detection</a:t>
+                      </a:r>
+                      <a:endParaRPr lang="en-US" dirty="0">
+                        <a:latin typeface="Calibri"/>
+                        <a:cs typeface="Calibri"/>
+                      </a:endParaRPr>
+                    </a:p>
+                  </a:txBody>
+                  <a:tcPr>
+                    <a:lnL w="12700" cap="flat" cmpd="sng" algn="ctr">
+                      <a:solidFill>
+                        <a:schemeClr val="tx1"/>
+                      </a:solidFill>
+                      <a:prstDash val="solid"/>
+                      <a:round/>
+                      <a:headEnd type="none" w="med" len="med"/>
+                      <a:tailEnd type="none" w="med" len="med"/>
+                    </a:lnL>
+                    <a:lnR w="12700" cap="flat" cmpd="sng" algn="ctr">
+                      <a:solidFill>
+                        <a:schemeClr val="tx1"/>
+                      </a:solidFill>
+                      <a:prstDash val="solid"/>
+                      <a:round/>
+                      <a:headEnd type="none" w="med" len="med"/>
+                      <a:tailEnd type="none" w="med" len="med"/>
+                    </a:lnR>
+                  </a:tcPr>
+                </a:tc>
+              </a:tr>
+              <a:tr h="438150">
+                <a:tc>
+                  <a:txBody>
+                    <a:bodyPr/>
+                    <a:lstStyle/>
+                    <a:p>
+                      <a:r>
+                        <a:rPr lang="en-US" dirty="0" smtClean="0">
+                          <a:latin typeface="Calibri"/>
+                          <a:cs typeface="Calibri"/>
+                        </a:rPr>
+                        <a:t>Skin texture detection</a:t>
+                      </a:r>
+                      <a:endParaRPr lang="en-US" dirty="0">
+                        <a:latin typeface="Calibri"/>
+                        <a:cs typeface="Calibri"/>
+                      </a:endParaRPr>
+                    </a:p>
+                  </a:txBody>
+                  <a:tcPr>
+                    <a:lnL w="12700" cap="flat" cmpd="sng" algn="ctr">
+                      <a:solidFill>
+                        <a:schemeClr val="tx1"/>
+                      </a:solidFill>
+                      <a:prstDash val="solid"/>
+                      <a:round/>
+                      <a:headEnd type="none" w="med" len="med"/>
+                      <a:tailEnd type="none" w="med" len="med"/>
+                    </a:lnL>
+                    <a:lnR w="12700" cap="flat" cmpd="sng" algn="ctr">
+                      <a:solidFill>
+                        <a:schemeClr val="tx1"/>
+                      </a:solidFill>
+                      <a:prstDash val="solid"/>
+                      <a:round/>
+                      <a:headEnd type="none" w="med" len="med"/>
+                      <a:tailEnd type="none" w="med" len="med"/>
+                    </a:lnR>
+                    <a:lnB w="12700" cap="flat" cmpd="sng" algn="ctr">
+                      <a:solidFill>
+                        <a:schemeClr val="tx1"/>
+                      </a:solidFill>
+                      <a:prstDash val="solid"/>
+                      <a:round/>
+                      <a:headEnd type="none" w="med" len="med"/>
+                      <a:tailEnd type="none" w="med" len="med"/>
+                    </a:lnB>
+                  </a:tcPr>
+                </a:tc>
+              </a:tr>
+            </a:tbl>
+          </a:graphicData>
+        </a:graphic>
+      </p:graphicFrame>
+      <p:graphicFrame>
+        <p:nvGraphicFramePr>
+          <p:cNvPr id="4" name="Table 3"/>
+          <p:cNvGraphicFramePr>
+            <a:graphicFrameLocks noGrp="1"/>
+          </p:cNvGraphicFramePr>
+          <p:nvPr>
+            <p:extLst>
+              <p:ext uri="{D42A27DB-BD31-4B8C-83A1-F6EECF244321}">
+                <p14:modId xmlns:p14="http://schemas.microsoft.com/office/powerpoint/2010/main" xmlns:p="http://schemas.openxmlformats.org/presentationml/2006/main" xmlns:r="http://schemas.openxmlformats.org/officeDocument/2006/relationships" xmlns:a="http://schemas.openxmlformats.org/drawingml/2006/main" xmlns="" val="2353244850"/>
+              </p:ext>
+            </p:extLst>
+          </p:nvPr>
+        </p:nvGraphicFramePr>
+        <p:xfrm>
+          <a:off x="1638300" y="1255986"/>
+          <a:ext cx="5867401" cy="1524000"/>
+        </p:xfrm>
+        <a:graphic>
+          <a:graphicData uri="http://schemas.openxmlformats.org/drawingml/2006/table">
+            <a:tbl>
+              <a:tblPr firstRow="1" bandRow="1">
+                <a:tableStyleId>{21E4AEA4-8DFA-4A89-87EB-49C32662AFE0}</a:tableStyleId>
+              </a:tblPr>
+              <a:tblGrid>
+                <a:gridCol w="5207318"/>
+                <a:gridCol w="660083"/>
+              </a:tblGrid>
+              <a:tr h="381000">
+                <a:tc>
+                  <a:txBody>
+                    <a:bodyPr/>
+                    <a:lstStyle/>
+                    <a:p>
+                      <a:r>
+                        <a:rPr lang="en-US" dirty="0" smtClean="0">
+                          <a:latin typeface="Calibri"/>
+                          <a:cs typeface="Calibri"/>
+                        </a:rPr>
+                        <a:t>Objective</a:t>
+                      </a:r>
+                      <a:endParaRPr lang="en-US" dirty="0">
+                        <a:latin typeface="Calibri"/>
+                        <a:cs typeface="Calibri"/>
+                      </a:endParaRPr>
+                    </a:p>
+                  </a:txBody>
+                  <a:tcPr>
+                    <a:lnL w="12700" cap="flat" cmpd="sng" algn="ctr">
+                      <a:solidFill>
+                        <a:schemeClr val="tx1"/>
+                      </a:solidFill>
+                      <a:prstDash val="solid"/>
+                      <a:round/>
+                      <a:headEnd type="none" w="med" len="med"/>
+                      <a:tailEnd type="none" w="med" len="med"/>
+                    </a:lnL>
+                    <a:lnT w="12700" cap="flat" cmpd="sng" algn="ctr">
+                      <a:solidFill>
+                        <a:schemeClr val="tx1"/>
+                      </a:solidFill>
+                      <a:prstDash val="solid"/>
+                      <a:round/>
+                      <a:headEnd type="none" w="med" len="med"/>
+                      <a:tailEnd type="none" w="med" len="med"/>
+                    </a:lnT>
+                    <a:solidFill>
+                      <a:srgbClr val="FF0000"/>
+                    </a:solidFill>
+                  </a:tcPr>
+                </a:tc>
+                <a:tc>
+                  <a:txBody>
+                    <a:bodyPr/>
+                    <a:lstStyle/>
+                    <a:p>
+                      <a:r>
+                        <a:rPr lang="en-US" dirty="0" smtClean="0">
+                          <a:latin typeface="Calibri"/>
+                          <a:cs typeface="Calibri"/>
+                        </a:rPr>
+                        <a:t>%</a:t>
+                      </a:r>
+                      <a:endParaRPr lang="en-US" dirty="0">
+                        <a:latin typeface="Calibri"/>
+                        <a:cs typeface="Calibri"/>
+                      </a:endParaRPr>
+                    </a:p>
+                  </a:txBody>
+                  <a:tcPr>
+                    <a:lnR w="12700" cap="flat" cmpd="sng" algn="ctr">
+                      <a:solidFill>
+                        <a:schemeClr val="tx1"/>
+                      </a:solidFill>
+                      <a:prstDash val="solid"/>
+                      <a:round/>
+                      <a:headEnd type="none" w="med" len="med"/>
+                      <a:tailEnd type="none" w="med" len="med"/>
+                    </a:lnR>
+                    <a:lnT w="12700" cap="flat" cmpd="sng" algn="ctr">
+                      <a:solidFill>
+                        <a:schemeClr val="tx1"/>
+                      </a:solidFill>
+                      <a:prstDash val="solid"/>
+                      <a:round/>
+                      <a:headEnd type="none" w="med" len="med"/>
+                      <a:tailEnd type="none" w="med" len="med"/>
+                    </a:lnT>
+                    <a:solidFill>
+                      <a:srgbClr val="FF0000"/>
+                    </a:solidFill>
+                  </a:tcPr>
+                </a:tc>
+              </a:tr>
+              <a:tr h="381000">
+                <a:tc>
+                  <a:txBody>
+                    <a:bodyPr/>
+                    <a:lstStyle/>
+                    <a:p>
+                      <a:r>
+                        <a:rPr lang="en-US" dirty="0" smtClean="0">
+                          <a:latin typeface="Calibri"/>
+                          <a:cs typeface="Calibri"/>
+                        </a:rPr>
+                        <a:t>Objective </a:t>
+                      </a:r>
+                      <a:r>
+                        <a:rPr lang="en-US" dirty="0" smtClean="0">
+                          <a:latin typeface="Calibri"/>
+                          <a:cs typeface="Calibri"/>
+                        </a:rPr>
+                        <a:t>1: Crowd Density</a:t>
+                      </a:r>
+                      <a:endParaRPr lang="en-US" dirty="0" smtClean="0">
+                        <a:latin typeface="Calibri"/>
+                        <a:cs typeface="Calibri"/>
+                      </a:endParaRPr>
+                    </a:p>
+                  </a:txBody>
+                  <a:tcPr>
+                    <a:lnL w="12700" cap="flat" cmpd="sng" algn="ctr">
+                      <a:solidFill>
+                        <a:schemeClr val="tx1"/>
+                      </a:solidFill>
+                      <a:prstDash val="solid"/>
+                      <a:round/>
+                      <a:headEnd type="none" w="med" len="med"/>
+                      <a:tailEnd type="none" w="med" len="med"/>
+                    </a:lnL>
+                  </a:tcPr>
+                </a:tc>
+                <a:tc>
+                  <a:txBody>
+                    <a:bodyPr/>
+                    <a:lstStyle/>
+                    <a:p>
+                      <a:r>
+                        <a:rPr lang="en-US" dirty="0" smtClean="0"/>
+                        <a:t>10</a:t>
+                      </a:r>
+                      <a:endParaRPr lang="en-US" dirty="0"/>
+                    </a:p>
+                  </a:txBody>
+                  <a:tcPr>
+                    <a:lnR w="12700" cap="flat" cmpd="sng" algn="ctr">
+                      <a:solidFill>
+                        <a:schemeClr val="tx1"/>
+                      </a:solidFill>
+                      <a:prstDash val="solid"/>
+                      <a:round/>
+                      <a:headEnd type="none" w="med" len="med"/>
+                      <a:tailEnd type="none" w="med" len="med"/>
+                    </a:lnR>
+                  </a:tcPr>
+                </a:tc>
+              </a:tr>
+              <a:tr h="381000">
+                <a:tc>
+                  <a:txBody>
+                    <a:bodyPr/>
+                    <a:lstStyle/>
+                    <a:p>
+                      <a:r>
+                        <a:rPr lang="en-US" dirty="0" smtClean="0">
+                          <a:latin typeface="Calibri"/>
+                          <a:cs typeface="Calibri"/>
+                        </a:rPr>
+                        <a:t>Objective </a:t>
+                      </a:r>
+                      <a:r>
+                        <a:rPr lang="en-US" dirty="0" smtClean="0">
+                          <a:latin typeface="Calibri"/>
+                          <a:cs typeface="Calibri"/>
+                        </a:rPr>
+                        <a:t>2: Crowd Action (idle,</a:t>
+                      </a:r>
+                      <a:r>
+                        <a:rPr lang="en-US" baseline="0" dirty="0" smtClean="0">
+                          <a:latin typeface="Calibri"/>
+                          <a:cs typeface="Calibri"/>
+                        </a:rPr>
+                        <a:t> booing, cheering</a:t>
+                      </a:r>
+                      <a:r>
+                        <a:rPr lang="en-US" dirty="0" smtClean="0">
+                          <a:latin typeface="Calibri"/>
+                          <a:cs typeface="Calibri"/>
+                        </a:rPr>
+                        <a:t>)</a:t>
+                      </a:r>
+                      <a:endParaRPr lang="en-US" dirty="0" smtClean="0">
+                        <a:latin typeface="Calibri"/>
+                        <a:cs typeface="Calibri"/>
+                      </a:endParaRPr>
+                    </a:p>
+                  </a:txBody>
+                  <a:tcPr>
+                    <a:lnL w="12700" cap="flat" cmpd="sng" algn="ctr">
+                      <a:solidFill>
+                        <a:schemeClr val="tx1"/>
+                      </a:solidFill>
+                      <a:prstDash val="solid"/>
+                      <a:round/>
+                      <a:headEnd type="none" w="med" len="med"/>
+                      <a:tailEnd type="none" w="med" len="med"/>
+                    </a:lnL>
+                  </a:tcPr>
+                </a:tc>
+                <a:tc>
+                  <a:txBody>
+                    <a:bodyPr/>
+                    <a:lstStyle/>
+                    <a:p>
+                      <a:r>
+                        <a:rPr lang="en-US" dirty="0" smtClean="0"/>
+                        <a:t>50</a:t>
+                      </a:r>
+                      <a:endParaRPr lang="en-US" dirty="0"/>
+                    </a:p>
+                  </a:txBody>
+                  <a:tcPr>
+                    <a:lnR w="12700" cap="flat" cmpd="sng" algn="ctr">
+                      <a:solidFill>
+                        <a:schemeClr val="tx1"/>
+                      </a:solidFill>
+                      <a:prstDash val="solid"/>
+                      <a:round/>
+                      <a:headEnd type="none" w="med" len="med"/>
+                      <a:tailEnd type="none" w="med" len="med"/>
+                    </a:lnR>
+                  </a:tcPr>
+                </a:tc>
+              </a:tr>
+              <a:tr h="381000">
+                <a:tc>
+                  <a:txBody>
+                    <a:bodyPr/>
+                    <a:lstStyle/>
+                    <a:p>
+                      <a:r>
+                        <a:rPr lang="en-US" dirty="0" smtClean="0">
+                          <a:latin typeface="Calibri"/>
+                          <a:cs typeface="Calibri"/>
+                        </a:rPr>
+                        <a:t>Objective </a:t>
+                      </a:r>
+                      <a:r>
+                        <a:rPr lang="en-US" dirty="0" smtClean="0">
+                          <a:latin typeface="Calibri"/>
+                          <a:cs typeface="Calibri"/>
+                        </a:rPr>
+                        <a:t>3: Crowd Emotion</a:t>
+                      </a:r>
+                      <a:endParaRPr lang="en-US" dirty="0" smtClean="0">
+                        <a:latin typeface="Calibri"/>
+                        <a:cs typeface="Calibri"/>
+                      </a:endParaRPr>
+                    </a:p>
+                  </a:txBody>
+                  <a:tcPr>
+                    <a:lnL w="12700" cap="flat" cmpd="sng" algn="ctr">
+                      <a:solidFill>
+                        <a:schemeClr val="tx1"/>
+                      </a:solidFill>
+                      <a:prstDash val="solid"/>
+                      <a:round/>
+                      <a:headEnd type="none" w="med" len="med"/>
+                      <a:tailEnd type="none" w="med" len="med"/>
+                    </a:lnL>
+                    <a:lnB w="12700" cap="flat" cmpd="sng" algn="ctr">
+                      <a:solidFill>
+                        <a:schemeClr val="tx1"/>
+                      </a:solidFill>
+                      <a:prstDash val="solid"/>
+                      <a:round/>
+                      <a:headEnd type="none" w="med" len="med"/>
+                      <a:tailEnd type="none" w="med" len="med"/>
+                    </a:lnB>
+                  </a:tcPr>
+                </a:tc>
+                <a:tc>
+                  <a:txBody>
+                    <a:bodyPr/>
+                    <a:lstStyle/>
+                    <a:p>
+                      <a:r>
+                        <a:rPr lang="en-US" dirty="0" smtClean="0"/>
+                        <a:t>0</a:t>
+                      </a:r>
+                      <a:endParaRPr lang="en-US" dirty="0"/>
+                    </a:p>
+                  </a:txBody>
+                  <a:tcPr>
+                    <a:lnR w="12700" cap="flat" cmpd="sng" algn="ctr">
+                      <a:solidFill>
+                        <a:schemeClr val="tx1"/>
+                      </a:solidFill>
+                      <a:prstDash val="solid"/>
+                      <a:round/>
+                      <a:headEnd type="none" w="med" len="med"/>
+                      <a:tailEnd type="none" w="med" len="med"/>
+                    </a:lnR>
+                    <a:lnB w="12700" cap="flat" cmpd="sng" algn="ctr">
+                      <a:solidFill>
+                        <a:schemeClr val="tx1"/>
+                      </a:solidFill>
+                      <a:prstDash val="solid"/>
+                      <a:round/>
+                      <a:headEnd type="none" w="med" len="med"/>
+                      <a:tailEnd type="none" w="med" len="med"/>
+                    </a:lnB>
+                  </a:tcPr>
+                </a:tc>
+              </a:tr>
+            </a:tbl>
+          </a:graphicData>
+        </a:graphic>
+      </p:graphicFrame>
+      <p:pic>
+        <p:nvPicPr>
+          <p:cNvPr id="17" name="Picture 16" descr="Screen Shot 2015-04-03 at 3.55.36 AM.png"/>
+          <p:cNvPicPr>
+            <a:picLocks noChangeAspect="1"/>
+          </p:cNvPicPr>
+          <p:nvPr/>
+        </p:nvPicPr>
+        <p:blipFill>
+          <a:blip r:embed="rId6"/>
+          <a:stretch>
+            <a:fillRect/>
+          </a:stretch>
+        </p:blipFill>
+        <p:spPr>
+          <a:xfrm>
+            <a:off x="7543800" y="1905000"/>
+            <a:ext cx="1056024" cy="777875"/>
+          </a:xfrm>
+          <a:prstGeom prst="rect">
+            <a:avLst/>
+          </a:prstGeom>
+        </p:spPr>
+      </p:pic>
+      <p:pic>
+        <p:nvPicPr>
+          <p:cNvPr id="18" name="Picture 17" descr="Screen Shot 2015-04-03 at 3.55.16 AM.png"/>
+          <p:cNvPicPr>
+            <a:picLocks noChangeAspect="1"/>
+          </p:cNvPicPr>
+          <p:nvPr/>
+        </p:nvPicPr>
+        <p:blipFill>
+          <a:blip r:embed="rId7"/>
+          <a:stretch>
+            <a:fillRect/>
+          </a:stretch>
+        </p:blipFill>
+        <p:spPr>
+          <a:xfrm>
+            <a:off x="7543800" y="1066800"/>
+            <a:ext cx="1066800" cy="794120"/>
+          </a:xfrm>
+          <a:prstGeom prst="rect">
+            <a:avLst/>
+          </a:prstGeom>
+        </p:spPr>
+      </p:pic>
+      <p:pic>
+        <p:nvPicPr>
+          <p:cNvPr id="19" name="Picture 18" descr="Screen Shot 2015-04-03 at 3.57.44 AM.png"/>
+          <p:cNvPicPr>
+            <a:picLocks noChangeAspect="1"/>
+          </p:cNvPicPr>
+          <p:nvPr/>
+        </p:nvPicPr>
+        <p:blipFill>
+          <a:blip r:embed="rId8"/>
+          <a:stretch>
+            <a:fillRect/>
+          </a:stretch>
+        </p:blipFill>
+        <p:spPr>
+          <a:xfrm>
+            <a:off x="7543800" y="2946037"/>
+            <a:ext cx="1219200" cy="691243"/>
+          </a:xfrm>
+          <a:prstGeom prst="rect">
+            <a:avLst/>
+          </a:prstGeom>
+        </p:spPr>
+      </p:pic>
+      <p:pic>
+        <p:nvPicPr>
+          <p:cNvPr id="20" name="Picture 19" descr="Screen Shot 2015-04-03 at 3.57.55 AM.png"/>
+          <p:cNvPicPr>
+            <a:picLocks noChangeAspect="1"/>
+          </p:cNvPicPr>
+          <p:nvPr/>
+        </p:nvPicPr>
+        <p:blipFill>
+          <a:blip r:embed="rId9"/>
+          <a:stretch>
+            <a:fillRect/>
+          </a:stretch>
+        </p:blipFill>
+        <p:spPr>
+          <a:xfrm>
+            <a:off x="7543800" y="3657600"/>
+            <a:ext cx="1219200" cy="685800"/>
+          </a:xfrm>
+          <a:prstGeom prst="rect">
+            <a:avLst/>
+          </a:prstGeom>
+        </p:spPr>
+      </p:pic>
+      <p:sp>
+        <p:nvSpPr>
+          <p:cNvPr id="21" name="TextBox 20"/>
+          <p:cNvSpPr txBox="1"/>
+          <p:nvPr/>
+        </p:nvSpPr>
+        <p:spPr>
+          <a:xfrm rot="16200000">
+            <a:off x="7931816" y="1593185"/>
+            <a:ext cx="1970147" cy="307777"/>
+          </a:xfrm>
+          <a:prstGeom prst="rect">
+            <a:avLst/>
+          </a:prstGeom>
+          <a:noFill/>
+        </p:spPr>
+        <p:txBody>
+          <a:bodyPr wrap="square" rtlCol="0">
+            <a:spAutoFit/>
+          </a:bodyPr>
+          <a:lstStyle/>
+          <a:p>
+            <a:r>
+              <a:rPr lang="en-US" sz="1400" dirty="0" err="1" smtClean="0">
+                <a:latin typeface="Calibri"/>
+                <a:cs typeface="Calibri"/>
+              </a:rPr>
+              <a:t>Cheeringness</a:t>
+            </a:r>
+            <a:r>
+              <a:rPr lang="en-US" sz="1400" dirty="0" smtClean="0">
+                <a:latin typeface="Calibri"/>
+                <a:cs typeface="Calibri"/>
+              </a:rPr>
+              <a:t>: 0.1185</a:t>
+            </a:r>
+            <a:endParaRPr lang="en-US" sz="1400" dirty="0">
+              <a:latin typeface="Calibri"/>
+              <a:cs typeface="Calibri"/>
+            </a:endParaRPr>
+          </a:p>
+        </p:txBody>
+      </p:sp>
+      <p:sp>
+        <p:nvSpPr>
+          <p:cNvPr id="22" name="TextBox 21"/>
+          <p:cNvSpPr txBox="1"/>
+          <p:nvPr/>
+        </p:nvSpPr>
+        <p:spPr>
+          <a:xfrm rot="16200000">
+            <a:off x="8002490" y="3503712"/>
+            <a:ext cx="1828800" cy="307777"/>
+          </a:xfrm>
+          <a:prstGeom prst="rect">
+            <a:avLst/>
+          </a:prstGeom>
+          <a:noFill/>
+        </p:spPr>
+        <p:txBody>
+          <a:bodyPr wrap="square" rtlCol="0">
+            <a:spAutoFit/>
+          </a:bodyPr>
+          <a:lstStyle/>
+          <a:p>
+            <a:r>
+              <a:rPr lang="en-US" sz="1400" dirty="0" err="1" smtClean="0">
+                <a:latin typeface="Calibri"/>
+                <a:cs typeface="Calibri"/>
+              </a:rPr>
+              <a:t>Cheeringness</a:t>
+            </a:r>
+            <a:r>
+              <a:rPr lang="en-US" sz="1400" dirty="0" smtClean="0">
+                <a:latin typeface="Calibri"/>
+                <a:cs typeface="Calibri"/>
+              </a:rPr>
+              <a:t>: -0.0039</a:t>
+            </a:r>
+            <a:endParaRPr lang="en-US" sz="1400" dirty="0">
+              <a:latin typeface="Calibri"/>
+              <a:cs typeface="Calibri"/>
+            </a:endParaRPr>
+          </a:p>
+        </p:txBody>
+      </p:sp>
+      <p:sp>
+        <p:nvSpPr>
+          <p:cNvPr id="23" name="TextBox 22"/>
+          <p:cNvSpPr txBox="1"/>
+          <p:nvPr/>
+        </p:nvSpPr>
+        <p:spPr>
+          <a:xfrm>
+            <a:off x="7543800" y="1600200"/>
+            <a:ext cx="1143000" cy="246221"/>
+          </a:xfrm>
+          <a:prstGeom prst="rect">
+            <a:avLst/>
+          </a:prstGeom>
+          <a:noFill/>
+        </p:spPr>
+        <p:txBody>
+          <a:bodyPr wrap="square" rtlCol="0">
+            <a:spAutoFit/>
+          </a:bodyPr>
+          <a:lstStyle/>
+          <a:p>
+            <a:r>
+              <a:rPr lang="en-US" sz="1000" dirty="0" smtClean="0">
+                <a:solidFill>
+                  <a:schemeClr val="bg1"/>
+                </a:solidFill>
+                <a:latin typeface="Calibri"/>
+                <a:cs typeface="Calibri"/>
+              </a:rPr>
+              <a:t>(Vertical </a:t>
+            </a:r>
+            <a:r>
+              <a:rPr lang="en-US" sz="1000" dirty="0" err="1" smtClean="0">
+                <a:solidFill>
+                  <a:schemeClr val="bg1"/>
+                </a:solidFill>
+                <a:latin typeface="Calibri"/>
+                <a:cs typeface="Calibri"/>
+              </a:rPr>
+              <a:t>Sobel</a:t>
+            </a:r>
+            <a:r>
+              <a:rPr lang="en-US" sz="1000" dirty="0" smtClean="0">
+                <a:solidFill>
+                  <a:schemeClr val="bg1"/>
+                </a:solidFill>
+                <a:latin typeface="Calibri"/>
+                <a:cs typeface="Calibri"/>
+              </a:rPr>
+              <a:t>)</a:t>
+            </a:r>
+            <a:endParaRPr lang="en-US" sz="1000" dirty="0">
+              <a:solidFill>
+                <a:schemeClr val="bg1"/>
+              </a:solidFill>
+              <a:latin typeface="Calibri"/>
+              <a:cs typeface="Calibri"/>
+            </a:endParaRPr>
+          </a:p>
+        </p:txBody>
+      </p:sp>
+      <p:sp>
+        <p:nvSpPr>
+          <p:cNvPr id="24" name="TextBox 23"/>
+          <p:cNvSpPr txBox="1"/>
+          <p:nvPr/>
+        </p:nvSpPr>
+        <p:spPr>
+          <a:xfrm>
+            <a:off x="7543800" y="2420779"/>
+            <a:ext cx="1143000" cy="246221"/>
+          </a:xfrm>
+          <a:prstGeom prst="rect">
+            <a:avLst/>
+          </a:prstGeom>
+          <a:noFill/>
+        </p:spPr>
+        <p:txBody>
+          <a:bodyPr wrap="square" rtlCol="0">
+            <a:spAutoFit/>
+          </a:bodyPr>
+          <a:lstStyle/>
+          <a:p>
+            <a:r>
+              <a:rPr lang="en-US" sz="1000" dirty="0" smtClean="0">
+                <a:solidFill>
+                  <a:schemeClr val="bg1"/>
+                </a:solidFill>
+                <a:latin typeface="Calibri"/>
+                <a:cs typeface="Calibri"/>
+              </a:rPr>
+              <a:t>(Horizontal </a:t>
+            </a:r>
+            <a:r>
+              <a:rPr lang="en-US" sz="1000" dirty="0" err="1" smtClean="0">
+                <a:solidFill>
+                  <a:schemeClr val="bg1"/>
+                </a:solidFill>
+                <a:latin typeface="Calibri"/>
+                <a:cs typeface="Calibri"/>
+              </a:rPr>
+              <a:t>Sobel</a:t>
+            </a:r>
+            <a:r>
+              <a:rPr lang="en-US" sz="1000" dirty="0" smtClean="0">
+                <a:solidFill>
+                  <a:schemeClr val="bg1"/>
+                </a:solidFill>
+                <a:latin typeface="Calibri"/>
+                <a:cs typeface="Calibri"/>
+              </a:rPr>
+              <a:t>)</a:t>
+            </a:r>
+            <a:endParaRPr lang="en-US" sz="1000" dirty="0">
+              <a:solidFill>
+                <a:schemeClr val="bg1"/>
+              </a:solidFill>
+              <a:latin typeface="Calibri"/>
+              <a:cs typeface="Calibri"/>
+            </a:endParaRPr>
+          </a:p>
+        </p:txBody>
+      </p:sp>
+      <p:sp>
+        <p:nvSpPr>
+          <p:cNvPr id="25" name="TextBox 24"/>
+          <p:cNvSpPr txBox="1"/>
+          <p:nvPr/>
+        </p:nvSpPr>
+        <p:spPr>
+          <a:xfrm>
+            <a:off x="7543800" y="3411379"/>
+            <a:ext cx="1143000" cy="246221"/>
+          </a:xfrm>
+          <a:prstGeom prst="rect">
+            <a:avLst/>
+          </a:prstGeom>
+          <a:noFill/>
+        </p:spPr>
+        <p:txBody>
+          <a:bodyPr wrap="square" rtlCol="0">
+            <a:spAutoFit/>
+          </a:bodyPr>
+          <a:lstStyle/>
+          <a:p>
+            <a:r>
+              <a:rPr lang="en-US" sz="1000" dirty="0" smtClean="0">
+                <a:solidFill>
+                  <a:schemeClr val="bg1"/>
+                </a:solidFill>
+                <a:latin typeface="Calibri"/>
+                <a:cs typeface="Calibri"/>
+              </a:rPr>
+              <a:t>(Vertical </a:t>
+            </a:r>
+            <a:r>
+              <a:rPr lang="en-US" sz="1000" dirty="0" err="1" smtClean="0">
+                <a:solidFill>
+                  <a:schemeClr val="bg1"/>
+                </a:solidFill>
+                <a:latin typeface="Calibri"/>
+                <a:cs typeface="Calibri"/>
+              </a:rPr>
+              <a:t>Sobel</a:t>
+            </a:r>
+            <a:r>
+              <a:rPr lang="en-US" sz="1000" dirty="0" smtClean="0">
+                <a:solidFill>
+                  <a:schemeClr val="bg1"/>
+                </a:solidFill>
+                <a:latin typeface="Calibri"/>
+                <a:cs typeface="Calibri"/>
+              </a:rPr>
+              <a:t>)</a:t>
+            </a:r>
+            <a:endParaRPr lang="en-US" sz="1000" dirty="0">
+              <a:solidFill>
+                <a:schemeClr val="bg1"/>
+              </a:solidFill>
+              <a:latin typeface="Calibri"/>
+              <a:cs typeface="Calibri"/>
+            </a:endParaRPr>
+          </a:p>
+        </p:txBody>
+      </p:sp>
+      <p:sp>
+        <p:nvSpPr>
+          <p:cNvPr id="26" name="TextBox 25"/>
+          <p:cNvSpPr txBox="1"/>
+          <p:nvPr/>
+        </p:nvSpPr>
+        <p:spPr>
+          <a:xfrm>
+            <a:off x="7543800" y="4097179"/>
+            <a:ext cx="1143000" cy="246221"/>
+          </a:xfrm>
+          <a:prstGeom prst="rect">
+            <a:avLst/>
+          </a:prstGeom>
+          <a:noFill/>
+        </p:spPr>
+        <p:txBody>
+          <a:bodyPr wrap="square" rtlCol="0">
+            <a:spAutoFit/>
+          </a:bodyPr>
+          <a:lstStyle/>
+          <a:p>
+            <a:r>
+              <a:rPr lang="en-US" sz="1000" dirty="0" smtClean="0">
+                <a:solidFill>
+                  <a:schemeClr val="bg1"/>
+                </a:solidFill>
+                <a:latin typeface="Calibri"/>
+                <a:cs typeface="Calibri"/>
+              </a:rPr>
+              <a:t>(Horizontal </a:t>
+            </a:r>
+            <a:r>
+              <a:rPr lang="en-US" sz="1000" dirty="0" err="1" smtClean="0">
+                <a:solidFill>
+                  <a:schemeClr val="bg1"/>
+                </a:solidFill>
+                <a:latin typeface="Calibri"/>
+                <a:cs typeface="Calibri"/>
+              </a:rPr>
+              <a:t>Sobel</a:t>
+            </a:r>
+            <a:r>
+              <a:rPr lang="en-US" sz="1000" dirty="0" smtClean="0">
+                <a:solidFill>
+                  <a:schemeClr val="bg1"/>
+                </a:solidFill>
+                <a:latin typeface="Calibri"/>
+                <a:cs typeface="Calibri"/>
+              </a:rPr>
+              <a:t>)</a:t>
+            </a:r>
+            <a:endParaRPr lang="en-US" sz="1000" dirty="0">
+              <a:solidFill>
+                <a:schemeClr val="bg1"/>
+              </a:solidFill>
+              <a:latin typeface="Calibri"/>
+              <a:cs typeface="Calibri"/>
+            </a:endParaRPr>
+          </a:p>
+        </p:txBody>
+      </p:sp>
     </p:spTree>
   </p:cSld>
   <p:clrMapOvr>
